--- a/1_Rocnik/Zimny_Semester/Informatika/Zadania/Prezentacia zadanie/WEBB_Teleskop_prezentacia.pptx
+++ b/1_Rocnik/Zimny_Semester/Informatika/Zadania/Prezentacia zadanie/WEBB_Teleskop_prezentacia.pptx
@@ -114,6 +114,11 @@
       </a:defRPr>
     </a:lvl9pPr>
   </p:defaultTextStyle>
+  <p:extLst>
+    <p:ext uri="{EFAFB233-063F-42B5-8137-9DF3F51BA10A}">
+      <p15:sldGuideLst xmlns:p15="http://schemas.microsoft.com/office/powerpoint/2012/main"/>
+    </p:ext>
+  </p:extLst>
 </p:presentation>
 </file>
 
@@ -19409,12 +19414,8 @@
           <a:lstStyle/>
           <a:p>
             <a:r>
-              <a:rPr lang="sk-SK" dirty="0" err="1"/>
-              <a:t>Jan</a:t>
-            </a:r>
-            <a:r>
               <a:rPr lang="sk-SK" dirty="0"/>
-              <a:t> </a:t>
+              <a:t>Ján </a:t>
             </a:r>
             <a:r>
               <a:rPr lang="sk-SK" dirty="0" err="1"/>
@@ -19855,7 +19856,21 @@
           <a:p>
             <a:r>
               <a:rPr lang="sk-SK" dirty="0"/>
-              <a:t>Porovnanie James Webb ST vs. Hubble ST</a:t>
+              <a:t>Porovnanie James Webb ST vs. </a:t>
+            </a:r>
+            <a:r>
+              <a:rPr lang="sk-SK" dirty="0" err="1"/>
+              <a:t>Hubble</a:t>
+            </a:r>
+            <a:r>
+              <a:rPr lang="sk-SK" dirty="0"/>
+              <a:t> ST</a:t>
+            </a:r>
+          </a:p>
+          <a:p>
+            <a:r>
+              <a:rPr lang="sk-SK" dirty="0"/>
+              <a:t>Účel teleskopu</a:t>
             </a:r>
           </a:p>
           <a:p>
@@ -26270,8 +26285,8 @@
           </a:p>
         </p:txBody>
       </p:sp>
-      <mc:AlternateContent xmlns:mc="http://schemas.openxmlformats.org/markup-compatibility/2006">
-        <mc:Choice xmlns:a14="http://schemas.microsoft.com/office/drawing/2010/main" Requires="a14">
+      <mc:AlternateContent xmlns:mc="http://schemas.openxmlformats.org/markup-compatibility/2006" xmlns:a14="http://schemas.microsoft.com/office/drawing/2010/main">
+        <mc:Choice Requires="a14">
           <p:graphicFrame>
             <p:nvGraphicFramePr>
               <p:cNvPr id="3" name="Table 8">
@@ -27712,7 +27727,7 @@
             </a:graphic>
           </p:graphicFrame>
         </mc:Choice>
-        <mc:Fallback>
+        <mc:Fallback xmlns="">
           <p:graphicFrame>
             <p:nvGraphicFramePr>
               <p:cNvPr id="3" name="Table 8">
